--- a/SzaboAttila/Szabó Attila - prezi.pptx
+++ b/SzaboAttila/Szabó Attila - prezi.pptx
@@ -238,7 +238,7 @@
             <a:fld id="{108E5D05-7368-4B91-AD81-999E65E8BFFE}" type="datetimeFigureOut">
               <a:rPr lang="hu-HU" smtClean="0"/>
               <a:pPr/>
-              <a:t>2017. 03. 03.</a:t>
+              <a:t>2017. 03. 06.</a:t>
             </a:fld>
             <a:endParaRPr lang="hu-HU"/>
           </a:p>
@@ -631,7 +631,27 @@
           </a:bodyPr>
           <a:lstStyle/>
           <a:p>
+            <a:r>
+              <a:rPr lang="hu-HU" baseline="0" dirty="0"/>
+              <a:t>Végzős</a:t>
+            </a:r>
+          </a:p>
+          <a:p>
             <a:endParaRPr lang="hu-HU" baseline="0" dirty="0"/>
+          </a:p>
+          <a:p>
+            <a:r>
+              <a:rPr lang="hu-HU" baseline="0" dirty="0"/>
+              <a:t>A project-munka során az </a:t>
+            </a:r>
+            <a:r>
+              <a:rPr lang="hu-HU" baseline="0" dirty="0" err="1"/>
+              <a:t>Issue-tracker</a:t>
+            </a:r>
+            <a:r>
+              <a:rPr lang="hu-HU" baseline="0" dirty="0"/>
+              <a:t> csapatban dolgoztam.</a:t>
+            </a:r>
           </a:p>
         </p:txBody>
       </p:sp>
@@ -713,7 +733,16 @@
           </a:bodyPr>
           <a:lstStyle/>
           <a:p>
-            <a:endParaRPr lang="hu-HU" baseline="0" dirty="0"/>
+            <a:r>
+              <a:rPr lang="hu-HU" baseline="0" dirty="0"/>
+              <a:t>Rendszer fejlesztése során</a:t>
+            </a:r>
+          </a:p>
+          <a:p>
+            <a:r>
+              <a:rPr lang="hu-HU" baseline="0" dirty="0"/>
+              <a:t>lehető legtöbb rétegben dolgozni</a:t>
+            </a:r>
           </a:p>
         </p:txBody>
       </p:sp>
@@ -800,7 +829,28 @@
           </a:bodyPr>
           <a:lstStyle/>
           <a:p>
-            <a:endParaRPr lang="hu-HU" baseline="0" dirty="0"/>
+            <a:r>
+              <a:rPr lang="hu-HU" baseline="0" dirty="0"/>
+              <a:t>hibajegyek típusai határozzák meg</a:t>
+            </a:r>
+          </a:p>
+          <a:p>
+            <a:r>
+              <a:rPr lang="hu-HU" baseline="0" dirty="0"/>
+              <a:t>adott hibajegynek milyen státuszai lesznek</a:t>
+            </a:r>
+          </a:p>
+          <a:p>
+            <a:r>
+              <a:rPr lang="hu-HU" baseline="0" dirty="0"/>
+              <a:t>a különböző cégeknek különböző hibajegytípusaik vannak</a:t>
+            </a:r>
+          </a:p>
+          <a:p>
+            <a:r>
+              <a:rPr lang="hu-HU" baseline="0" dirty="0"/>
+              <a:t>a hibajegytípusokat lehet szerkeszteni</a:t>
+            </a:r>
           </a:p>
         </p:txBody>
       </p:sp>
@@ -887,7 +937,16 @@
           </a:bodyPr>
           <a:lstStyle/>
           <a:p>
-            <a:endParaRPr lang="hu-HU" baseline="0" dirty="0"/>
+            <a:r>
+              <a:rPr lang="hu-HU" baseline="0" dirty="0"/>
+              <a:t>szabadon kezeljük</a:t>
+            </a:r>
+          </a:p>
+          <a:p>
+            <a:r>
+              <a:rPr lang="hu-HU" baseline="0" dirty="0"/>
+              <a:t>bonyolult szerkezeteket is implementálni tudunk velük</a:t>
+            </a:r>
           </a:p>
         </p:txBody>
       </p:sp>
@@ -974,7 +1033,25 @@
           </a:bodyPr>
           <a:lstStyle/>
           <a:p>
+            <a:r>
+              <a:rPr lang="hu-HU" baseline="0" dirty="0"/>
+              <a:t>egyértelműen meghatározható</a:t>
+            </a:r>
+          </a:p>
+          <a:p>
+            <a:r>
+              <a:rPr lang="hu-HU" baseline="0" dirty="0"/>
+              <a:t>pontosan egy állapot</a:t>
+            </a:r>
+          </a:p>
+          <a:p>
             <a:endParaRPr lang="hu-HU" baseline="0" dirty="0"/>
+          </a:p>
+          <a:p>
+            <a:r>
+              <a:rPr lang="hu-HU" baseline="0" dirty="0"/>
+              <a:t>státuszoknál jeleznünk kell</a:t>
+            </a:r>
           </a:p>
         </p:txBody>
       </p:sp>
@@ -1061,7 +1138,56 @@
           </a:bodyPr>
           <a:lstStyle/>
           <a:p>
+            <a:r>
+              <a:rPr lang="hu-HU" baseline="0" dirty="0"/>
+              <a:t>a többi csapat megbízott embereivel</a:t>
+            </a:r>
+          </a:p>
+          <a:p>
+            <a:r>
+              <a:rPr lang="hu-HU" baseline="0" dirty="0"/>
+              <a:t>rendszereink össze tudtak kapcsolódni</a:t>
+            </a:r>
+          </a:p>
+          <a:p>
             <a:endParaRPr lang="hu-HU" baseline="0" dirty="0"/>
+          </a:p>
+          <a:p>
+            <a:r>
+              <a:rPr lang="hu-HU" baseline="0" dirty="0" err="1"/>
+              <a:t>Issue-tracker-től</a:t>
+            </a:r>
+            <a:r>
+              <a:rPr lang="hu-HU" baseline="0" dirty="0"/>
+              <a:t> a másik két rendszer</a:t>
+            </a:r>
+          </a:p>
+          <a:p>
+            <a:r>
+              <a:rPr lang="hu-HU" baseline="0" dirty="0"/>
+              <a:t>a felhasználók illetve a cégek hibajegyeivel kapcsolatban</a:t>
+            </a:r>
+          </a:p>
+          <a:p>
+            <a:r>
+              <a:rPr lang="hu-HU" baseline="0" dirty="0"/>
+              <a:t>ezek legenerálásához sok JPQL lekérdezést kellett írnom</a:t>
+            </a:r>
+          </a:p>
+          <a:p>
+            <a:endParaRPr lang="hu-HU" baseline="0" dirty="0"/>
+          </a:p>
+          <a:p>
+            <a:r>
+              <a:rPr lang="hu-HU" baseline="0" dirty="0"/>
+              <a:t>Az integrálódás során több probléma is merült fel a rendszerek feladatai között</a:t>
+            </a:r>
+          </a:p>
+          <a:p>
+            <a:r>
+              <a:rPr lang="hu-HU" baseline="0" dirty="0"/>
+              <a:t>és ezekre megoldást találni elég nagy kihívást jelentett.</a:t>
+            </a:r>
           </a:p>
         </p:txBody>
       </p:sp>
@@ -1148,7 +1274,47 @@
           </a:bodyPr>
           <a:lstStyle/>
           <a:p>
+            <a:r>
+              <a:rPr lang="hu-HU" baseline="0" dirty="0"/>
+              <a:t>felhasználók számára</a:t>
+            </a:r>
+          </a:p>
+          <a:p>
+            <a:r>
+              <a:rPr lang="hu-HU" baseline="0" dirty="0"/>
+              <a:t>a hozzájuk rendelt hibajegyekről ad kimutatást azok státusza alapján</a:t>
+            </a:r>
+          </a:p>
+          <a:p>
             <a:endParaRPr lang="hu-HU" baseline="0" dirty="0"/>
+          </a:p>
+          <a:p>
+            <a:r>
+              <a:rPr lang="hu-HU" baseline="0" dirty="0"/>
+              <a:t>minőségi és jól tesztelt kód</a:t>
+            </a:r>
+          </a:p>
+          <a:p>
+            <a:r>
+              <a:rPr lang="hu-HU" baseline="0" dirty="0"/>
+              <a:t>Az ezekről szóló </a:t>
+            </a:r>
+            <a:r>
+              <a:rPr lang="hu-HU" baseline="0" dirty="0" err="1"/>
+              <a:t>reportokat</a:t>
+            </a:r>
+            <a:r>
+              <a:rPr lang="hu-HU" baseline="0" dirty="0"/>
+              <a:t> </a:t>
+            </a:r>
+            <a:r>
+              <a:rPr lang="hu-HU" baseline="0" dirty="0" err="1"/>
+              <a:t>Jenkins</a:t>
+            </a:r>
+            <a:r>
+              <a:rPr lang="hu-HU" baseline="0" dirty="0"/>
+              <a:t>-ben publikáltuk.</a:t>
+            </a:r>
           </a:p>
         </p:txBody>
       </p:sp>
@@ -1235,7 +1401,10 @@
           </a:bodyPr>
           <a:lstStyle/>
           <a:p>
-            <a:endParaRPr lang="hu-HU" baseline="0" dirty="0"/>
+            <a:r>
+              <a:rPr lang="hu-HU" baseline="0" dirty="0"/>
+              <a:t>Kivettem a részem a csapat közös feladataiból is</a:t>
+            </a:r>
           </a:p>
         </p:txBody>
       </p:sp>
@@ -1408,7 +1577,7 @@
             <a:fld id="{C6E8B002-83F0-41C5-A7B7-2819A96BD9B2}" type="datetimeFigureOut">
               <a:rPr lang="hu-HU" smtClean="0"/>
               <a:pPr/>
-              <a:t>2017. 03. 03.</a:t>
+              <a:t>2017. 03. 06.</a:t>
             </a:fld>
             <a:endParaRPr lang="hu-HU"/>
           </a:p>
@@ -1580,7 +1749,7 @@
             <a:fld id="{C6E8B002-83F0-41C5-A7B7-2819A96BD9B2}" type="datetimeFigureOut">
               <a:rPr lang="hu-HU" smtClean="0"/>
               <a:pPr/>
-              <a:t>2017. 03. 03.</a:t>
+              <a:t>2017. 03. 06.</a:t>
             </a:fld>
             <a:endParaRPr lang="hu-HU"/>
           </a:p>
@@ -1762,7 +1931,7 @@
             <a:fld id="{C6E8B002-83F0-41C5-A7B7-2819A96BD9B2}" type="datetimeFigureOut">
               <a:rPr lang="hu-HU" smtClean="0"/>
               <a:pPr/>
-              <a:t>2017. 03. 03.</a:t>
+              <a:t>2017. 03. 06.</a:t>
             </a:fld>
             <a:endParaRPr lang="hu-HU"/>
           </a:p>
@@ -1934,7 +2103,7 @@
             <a:fld id="{C6E8B002-83F0-41C5-A7B7-2819A96BD9B2}" type="datetimeFigureOut">
               <a:rPr lang="hu-HU" smtClean="0"/>
               <a:pPr/>
-              <a:t>2017. 03. 03.</a:t>
+              <a:t>2017. 03. 06.</a:t>
             </a:fld>
             <a:endParaRPr lang="hu-HU"/>
           </a:p>
@@ -2180,7 +2349,7 @@
             <a:fld id="{C6E8B002-83F0-41C5-A7B7-2819A96BD9B2}" type="datetimeFigureOut">
               <a:rPr lang="hu-HU" smtClean="0"/>
               <a:pPr/>
-              <a:t>2017. 03. 03.</a:t>
+              <a:t>2017. 03. 06.</a:t>
             </a:fld>
             <a:endParaRPr lang="hu-HU"/>
           </a:p>
@@ -2414,7 +2583,7 @@
             <a:fld id="{C6E8B002-83F0-41C5-A7B7-2819A96BD9B2}" type="datetimeFigureOut">
               <a:rPr lang="hu-HU" smtClean="0"/>
               <a:pPr/>
-              <a:t>2017. 03. 03.</a:t>
+              <a:t>2017. 03. 06.</a:t>
             </a:fld>
             <a:endParaRPr lang="hu-HU"/>
           </a:p>
@@ -2783,7 +2952,7 @@
             <a:fld id="{C6E8B002-83F0-41C5-A7B7-2819A96BD9B2}" type="datetimeFigureOut">
               <a:rPr lang="hu-HU" smtClean="0"/>
               <a:pPr/>
-              <a:t>2017. 03. 03.</a:t>
+              <a:t>2017. 03. 06.</a:t>
             </a:fld>
             <a:endParaRPr lang="hu-HU"/>
           </a:p>
@@ -2903,7 +3072,7 @@
             <a:fld id="{C6E8B002-83F0-41C5-A7B7-2819A96BD9B2}" type="datetimeFigureOut">
               <a:rPr lang="hu-HU" smtClean="0"/>
               <a:pPr/>
-              <a:t>2017. 03. 03.</a:t>
+              <a:t>2017. 03. 06.</a:t>
             </a:fld>
             <a:endParaRPr lang="hu-HU"/>
           </a:p>
@@ -3000,7 +3169,7 @@
             <a:fld id="{C6E8B002-83F0-41C5-A7B7-2819A96BD9B2}" type="datetimeFigureOut">
               <a:rPr lang="hu-HU" smtClean="0"/>
               <a:pPr/>
-              <a:t>2017. 03. 03.</a:t>
+              <a:t>2017. 03. 06.</a:t>
             </a:fld>
             <a:endParaRPr lang="hu-HU"/>
           </a:p>
@@ -3279,7 +3448,7 @@
             <a:fld id="{C6E8B002-83F0-41C5-A7B7-2819A96BD9B2}" type="datetimeFigureOut">
               <a:rPr lang="hu-HU" smtClean="0"/>
               <a:pPr/>
-              <a:t>2017. 03. 03.</a:t>
+              <a:t>2017. 03. 06.</a:t>
             </a:fld>
             <a:endParaRPr lang="hu-HU"/>
           </a:p>
@@ -3538,7 +3707,7 @@
             <a:fld id="{C6E8B002-83F0-41C5-A7B7-2819A96BD9B2}" type="datetimeFigureOut">
               <a:rPr lang="hu-HU" smtClean="0"/>
               <a:pPr/>
-              <a:t>2017. 03. 03.</a:t>
+              <a:t>2017. 03. 06.</a:t>
             </a:fld>
             <a:endParaRPr lang="hu-HU"/>
           </a:p>
@@ -3760,7 +3929,7 @@
             <a:fld id="{C6E8B002-83F0-41C5-A7B7-2819A96BD9B2}" type="datetimeFigureOut">
               <a:rPr lang="hu-HU" smtClean="0"/>
               <a:pPr/>
-              <a:t>2017. 03. 03.</a:t>
+              <a:t>2017. 03. 06.</a:t>
             </a:fld>
             <a:endParaRPr lang="hu-HU"/>
           </a:p>
@@ -4538,7 +4707,7 @@
         </p:nvSpPr>
         <p:spPr>
           <a:xfrm>
-            <a:off x="1090952" y="2740099"/>
+            <a:off x="1090952" y="2345770"/>
             <a:ext cx="3814688" cy="434696"/>
           </a:xfrm>
         </p:spPr>
@@ -4766,6 +4935,204 @@
           </a:p>
         </p:txBody>
       </p:sp>
+      <p:sp>
+        <p:nvSpPr>
+          <p:cNvPr id="6" name="Alcím 2"/>
+          <p:cNvSpPr txBox="1">
+            <a:spLocks/>
+          </p:cNvSpPr>
+          <p:nvPr/>
+        </p:nvSpPr>
+        <p:spPr>
+          <a:xfrm>
+            <a:off x="484221" y="2957447"/>
+            <a:ext cx="4758831" cy="434696"/>
+          </a:xfrm>
+          <a:prstGeom prst="rect">
+            <a:avLst/>
+          </a:prstGeom>
+        </p:spPr>
+        <p:txBody>
+          <a:bodyPr vert="horz" lIns="91440" tIns="45720" rIns="91440" bIns="45720" rtlCol="0">
+            <a:noAutofit/>
+          </a:bodyPr>
+          <a:lstStyle>
+            <a:lvl1pPr marL="0" indent="0" algn="ctr" defTabSz="914400" rtl="0" eaLnBrk="1" latinLnBrk="0" hangingPunct="1">
+              <a:lnSpc>
+                <a:spcPct val="90000"/>
+              </a:lnSpc>
+              <a:spcBef>
+                <a:spcPts val="1000"/>
+              </a:spcBef>
+              <a:buFont typeface="Arial" panose="020B0604020202020204" pitchFamily="34" charset="0"/>
+              <a:buNone/>
+              <a:defRPr sz="2400" kern="1200">
+                <a:solidFill>
+                  <a:schemeClr val="tx1"/>
+                </a:solidFill>
+                <a:latin typeface="+mn-lt"/>
+                <a:ea typeface="+mn-ea"/>
+                <a:cs typeface="+mn-cs"/>
+              </a:defRPr>
+            </a:lvl1pPr>
+            <a:lvl2pPr marL="457200" indent="0" algn="ctr" defTabSz="914400" rtl="0" eaLnBrk="1" latinLnBrk="0" hangingPunct="1">
+              <a:lnSpc>
+                <a:spcPct val="90000"/>
+              </a:lnSpc>
+              <a:spcBef>
+                <a:spcPts val="500"/>
+              </a:spcBef>
+              <a:buFont typeface="Arial" panose="020B0604020202020204" pitchFamily="34" charset="0"/>
+              <a:buNone/>
+              <a:defRPr sz="2000" kern="1200">
+                <a:solidFill>
+                  <a:schemeClr val="tx1"/>
+                </a:solidFill>
+                <a:latin typeface="+mn-lt"/>
+                <a:ea typeface="+mn-ea"/>
+                <a:cs typeface="+mn-cs"/>
+              </a:defRPr>
+            </a:lvl2pPr>
+            <a:lvl3pPr marL="914400" indent="0" algn="ctr" defTabSz="914400" rtl="0" eaLnBrk="1" latinLnBrk="0" hangingPunct="1">
+              <a:lnSpc>
+                <a:spcPct val="90000"/>
+              </a:lnSpc>
+              <a:spcBef>
+                <a:spcPts val="500"/>
+              </a:spcBef>
+              <a:buFont typeface="Arial" panose="020B0604020202020204" pitchFamily="34" charset="0"/>
+              <a:buNone/>
+              <a:defRPr sz="1800" kern="1200">
+                <a:solidFill>
+                  <a:schemeClr val="tx1"/>
+                </a:solidFill>
+                <a:latin typeface="+mn-lt"/>
+                <a:ea typeface="+mn-ea"/>
+                <a:cs typeface="+mn-cs"/>
+              </a:defRPr>
+            </a:lvl3pPr>
+            <a:lvl4pPr marL="1371600" indent="0" algn="ctr" defTabSz="914400" rtl="0" eaLnBrk="1" latinLnBrk="0" hangingPunct="1">
+              <a:lnSpc>
+                <a:spcPct val="90000"/>
+              </a:lnSpc>
+              <a:spcBef>
+                <a:spcPts val="500"/>
+              </a:spcBef>
+              <a:buFont typeface="Arial" panose="020B0604020202020204" pitchFamily="34" charset="0"/>
+              <a:buNone/>
+              <a:defRPr sz="1600" kern="1200">
+                <a:solidFill>
+                  <a:schemeClr val="tx1"/>
+                </a:solidFill>
+                <a:latin typeface="+mn-lt"/>
+                <a:ea typeface="+mn-ea"/>
+                <a:cs typeface="+mn-cs"/>
+              </a:defRPr>
+            </a:lvl4pPr>
+            <a:lvl5pPr marL="1828800" indent="0" algn="ctr" defTabSz="914400" rtl="0" eaLnBrk="1" latinLnBrk="0" hangingPunct="1">
+              <a:lnSpc>
+                <a:spcPct val="90000"/>
+              </a:lnSpc>
+              <a:spcBef>
+                <a:spcPts val="500"/>
+              </a:spcBef>
+              <a:buFont typeface="Arial" panose="020B0604020202020204" pitchFamily="34" charset="0"/>
+              <a:buNone/>
+              <a:defRPr sz="1600" kern="1200">
+                <a:solidFill>
+                  <a:schemeClr val="tx1"/>
+                </a:solidFill>
+                <a:latin typeface="+mn-lt"/>
+                <a:ea typeface="+mn-ea"/>
+                <a:cs typeface="+mn-cs"/>
+              </a:defRPr>
+            </a:lvl5pPr>
+            <a:lvl6pPr marL="2286000" indent="0" algn="ctr" defTabSz="914400" rtl="0" eaLnBrk="1" latinLnBrk="0" hangingPunct="1">
+              <a:lnSpc>
+                <a:spcPct val="90000"/>
+              </a:lnSpc>
+              <a:spcBef>
+                <a:spcPts val="500"/>
+              </a:spcBef>
+              <a:buFont typeface="Arial" panose="020B0604020202020204" pitchFamily="34" charset="0"/>
+              <a:buNone/>
+              <a:defRPr sz="1600" kern="1200">
+                <a:solidFill>
+                  <a:schemeClr val="tx1"/>
+                </a:solidFill>
+                <a:latin typeface="+mn-lt"/>
+                <a:ea typeface="+mn-ea"/>
+                <a:cs typeface="+mn-cs"/>
+              </a:defRPr>
+            </a:lvl6pPr>
+            <a:lvl7pPr marL="2743200" indent="0" algn="ctr" defTabSz="914400" rtl="0" eaLnBrk="1" latinLnBrk="0" hangingPunct="1">
+              <a:lnSpc>
+                <a:spcPct val="90000"/>
+              </a:lnSpc>
+              <a:spcBef>
+                <a:spcPts val="500"/>
+              </a:spcBef>
+              <a:buFont typeface="Arial" panose="020B0604020202020204" pitchFamily="34" charset="0"/>
+              <a:buNone/>
+              <a:defRPr sz="1600" kern="1200">
+                <a:solidFill>
+                  <a:schemeClr val="tx1"/>
+                </a:solidFill>
+                <a:latin typeface="+mn-lt"/>
+                <a:ea typeface="+mn-ea"/>
+                <a:cs typeface="+mn-cs"/>
+              </a:defRPr>
+            </a:lvl7pPr>
+            <a:lvl8pPr marL="3200400" indent="0" algn="ctr" defTabSz="914400" rtl="0" eaLnBrk="1" latinLnBrk="0" hangingPunct="1">
+              <a:lnSpc>
+                <a:spcPct val="90000"/>
+              </a:lnSpc>
+              <a:spcBef>
+                <a:spcPts val="500"/>
+              </a:spcBef>
+              <a:buFont typeface="Arial" panose="020B0604020202020204" pitchFamily="34" charset="0"/>
+              <a:buNone/>
+              <a:defRPr sz="1600" kern="1200">
+                <a:solidFill>
+                  <a:schemeClr val="tx1"/>
+                </a:solidFill>
+                <a:latin typeface="+mn-lt"/>
+                <a:ea typeface="+mn-ea"/>
+                <a:cs typeface="+mn-cs"/>
+              </a:defRPr>
+            </a:lvl8pPr>
+            <a:lvl9pPr marL="3657600" indent="0" algn="ctr" defTabSz="914400" rtl="0" eaLnBrk="1" latinLnBrk="0" hangingPunct="1">
+              <a:lnSpc>
+                <a:spcPct val="90000"/>
+              </a:lnSpc>
+              <a:spcBef>
+                <a:spcPts val="500"/>
+              </a:spcBef>
+              <a:buFont typeface="Arial" panose="020B0604020202020204" pitchFamily="34" charset="0"/>
+              <a:buNone/>
+              <a:defRPr sz="1600" kern="1200">
+                <a:solidFill>
+                  <a:schemeClr val="tx1"/>
+                </a:solidFill>
+                <a:latin typeface="+mn-lt"/>
+                <a:ea typeface="+mn-ea"/>
+                <a:cs typeface="+mn-cs"/>
+              </a:defRPr>
+            </a:lvl9pPr>
+          </a:lstStyle>
+          <a:p>
+            <a:r>
+              <a:rPr lang="hu-HU" sz="2200" dirty="0"/>
+              <a:t>Programtervező Informatikus </a:t>
+            </a:r>
+            <a:r>
+              <a:rPr lang="hu-HU" sz="2200" dirty="0" err="1"/>
+              <a:t>BSc</a:t>
+            </a:r>
+            <a:endParaRPr lang="hu-HU" sz="2200" dirty="0"/>
+          </a:p>
+        </p:txBody>
+      </p:sp>
     </p:spTree>
     <p:extLst>
       <p:ext uri="{BB962C8B-B14F-4D97-AF65-F5344CB8AC3E}">
@@ -4856,7 +5223,7 @@
           <a:p>
             <a:r>
               <a:rPr lang="hu-HU" sz="2400" dirty="0"/>
-              <a:t>Csapattal közös feladatok</a:t>
+              <a:t>Csapattal közös feladataim</a:t>
             </a:r>
           </a:p>
         </p:txBody>
@@ -5500,18 +5867,14 @@
           </a:p>
           <a:p>
             <a:r>
-              <a:rPr lang="hu-HU" sz="2400" dirty="0" err="1"/>
-              <a:t>Reportok</a:t>
-            </a:r>
-            <a:r>
               <a:rPr lang="hu-HU" sz="2400" dirty="0"/>
-              <a:t> generálása</a:t>
+              <a:t>Jelentések generálása</a:t>
             </a:r>
           </a:p>
           <a:p>
             <a:r>
               <a:rPr lang="hu-HU" sz="2400" dirty="0"/>
-              <a:t>Problémák</a:t>
+              <a:t>Rendszerek közti problémák</a:t>
             </a:r>
           </a:p>
         </p:txBody>
@@ -6486,6 +6849,12 @@
 </file>
 
 <file path=customXml/item2.xml><?xml version="1.0" encoding="utf-8"?>
+<p:properties xmlns:p="http://schemas.microsoft.com/office/2006/metadata/properties" xmlns:xsi="http://www.w3.org/2001/XMLSchema-instance" xmlns:pc="http://schemas.microsoft.com/office/infopath/2007/PartnerControls">
+  <documentManagement/>
+</p:properties>
+</file>
+
+<file path=customXml/item3.xml><?xml version="1.0" encoding="utf-8"?>
 <ct:contentTypeSchema xmlns:ct="http://schemas.microsoft.com/office/2006/metadata/contentType" xmlns:ma="http://schemas.microsoft.com/office/2006/metadata/properties/metaAttributes" ct:_="" ma:_="" ma:contentTypeName="Dokumentum" ma:contentTypeID="0x010100AC862C676857C24E8FC2D32B30708833" ma:contentTypeVersion="2" ma:contentTypeDescription="Új dokumentum létrehozása." ma:contentTypeScope="" ma:versionID="56d51952ebb676fe3cf20c5597969f31">
   <xsd:schema xmlns:xsd="http://www.w3.org/2001/XMLSchema" xmlns:xs="http://www.w3.org/2001/XMLSchema" xmlns:p="http://schemas.microsoft.com/office/2006/metadata/properties" xmlns:ns2="9a324a02-be43-499b-8089-7896e70993e7" targetNamespace="http://schemas.microsoft.com/office/2006/metadata/properties" ma:root="true" ma:fieldsID="4fefbcd2855290300f96a0ef710b0fa0" ns2:_="">
     <xsd:import namespace="9a324a02-be43-499b-8089-7896e70993e7"/>
@@ -6633,12 +7002,6 @@
 </ct:contentTypeSchema>
 </file>
 
-<file path=customXml/item3.xml><?xml version="1.0" encoding="utf-8"?>
-<p:properties xmlns:p="http://schemas.microsoft.com/office/2006/metadata/properties" xmlns:xsi="http://www.w3.org/2001/XMLSchema-instance" xmlns:pc="http://schemas.microsoft.com/office/infopath/2007/PartnerControls">
-  <documentManagement/>
-</p:properties>
-</file>
-
 <file path=customXml/itemProps1.xml><?xml version="1.0" encoding="utf-8"?>
 <ds:datastoreItem xmlns:ds="http://schemas.openxmlformats.org/officeDocument/2006/customXml" ds:itemID="{166AD069-051C-46FD-A0CD-BDE143FEA57D}">
   <ds:schemaRefs>
@@ -6648,6 +7011,15 @@
 </file>
 
 <file path=customXml/itemProps2.xml><?xml version="1.0" encoding="utf-8"?>
+<ds:datastoreItem xmlns:ds="http://schemas.openxmlformats.org/officeDocument/2006/customXml" ds:itemID="{8E1455B4-EFFE-4AEE-ADC2-FE51D16F6234}">
+  <ds:schemaRefs>
+    <ds:schemaRef ds:uri="http://schemas.microsoft.com/office/2006/metadata/properties"/>
+    <ds:schemaRef ds:uri="http://schemas.microsoft.com/office/infopath/2007/PartnerControls"/>
+  </ds:schemaRefs>
+</ds:datastoreItem>
+</file>
+
+<file path=customXml/itemProps3.xml><?xml version="1.0" encoding="utf-8"?>
 <ds:datastoreItem xmlns:ds="http://schemas.openxmlformats.org/officeDocument/2006/customXml" ds:itemID="{C5A1A0B1-1575-4000-BA64-916766809361}">
   <ds:schemaRefs>
     <ds:schemaRef ds:uri="http://schemas.microsoft.com/office/2006/metadata/contentType"/>
@@ -6663,13 +7035,4 @@
     <ds:schemaRef ds:uri="http://schemas.microsoft.com/internal/obd"/>
   </ds:schemaRefs>
 </ds:datastoreItem>
-</file>
-
-<file path=customXml/itemProps3.xml><?xml version="1.0" encoding="utf-8"?>
-<ds:datastoreItem xmlns:ds="http://schemas.openxmlformats.org/officeDocument/2006/customXml" ds:itemID="{8E1455B4-EFFE-4AEE-ADC2-FE51D16F6234}">
-  <ds:schemaRefs>
-    <ds:schemaRef ds:uri="http://schemas.microsoft.com/office/2006/metadata/properties"/>
-    <ds:schemaRef ds:uri="http://schemas.microsoft.com/office/infopath/2007/PartnerControls"/>
-  </ds:schemaRefs>
-</ds:datastoreItem>
 </file>
--- a/SzaboAttila/Szabó Attila - prezi.pptx
+++ b/SzaboAttila/Szabó Attila - prezi.pptx
@@ -238,7 +238,7 @@
             <a:fld id="{108E5D05-7368-4B91-AD81-999E65E8BFFE}" type="datetimeFigureOut">
               <a:rPr lang="hu-HU" smtClean="0"/>
               <a:pPr/>
-              <a:t>2017. 03. 06.</a:t>
+              <a:t>2017. 03. 07.</a:t>
             </a:fld>
             <a:endParaRPr lang="hu-HU"/>
           </a:p>
@@ -735,14 +735,46 @@
           <a:p>
             <a:r>
               <a:rPr lang="hu-HU" baseline="0" dirty="0"/>
-              <a:t>Rendszer fejlesztése során</a:t>
-            </a:r>
-          </a:p>
-          <a:p>
-            <a:r>
-              <a:rPr lang="hu-HU" baseline="0" dirty="0"/>
-              <a:t>lehető legtöbb rétegben dolgozni</a:t>
-            </a:r>
+              <a:t>Rendszer fejlesztése során próbáltam a lehető legtöbb rétegben dolgozni</a:t>
+            </a:r>
+          </a:p>
+          <a:p>
+            <a:endParaRPr lang="hu-HU" baseline="0" dirty="0"/>
+          </a:p>
+          <a:p>
+            <a:r>
+              <a:rPr lang="en-US" baseline="0" dirty="0"/>
+              <a:t>A </a:t>
+            </a:r>
+            <a:r>
+              <a:rPr lang="en-US" baseline="0" dirty="0" err="1"/>
+              <a:t>feladataimat</a:t>
+            </a:r>
+            <a:r>
+              <a:rPr lang="en-US" baseline="0" dirty="0"/>
+              <a:t> </a:t>
+            </a:r>
+            <a:r>
+              <a:rPr lang="en-US" baseline="0" dirty="0" err="1"/>
+              <a:t>három</a:t>
+            </a:r>
+            <a:r>
+              <a:rPr lang="en-US" baseline="0" dirty="0"/>
+              <a:t> </a:t>
+            </a:r>
+            <a:r>
+              <a:rPr lang="en-US" baseline="0" dirty="0" err="1"/>
+              <a:t>nagy</a:t>
+            </a:r>
+            <a:r>
+              <a:rPr lang="en-US" baseline="0" dirty="0"/>
+              <a:t> </a:t>
+            </a:r>
+            <a:r>
+              <a:rPr lang="en-US" baseline="0" dirty="0" err="1"/>
+              <a:t>csoportba</a:t>
+            </a:r>
+            <a:endParaRPr lang="hu-HU" baseline="0" dirty="0"/>
           </a:p>
         </p:txBody>
       </p:sp>
@@ -831,6 +863,15 @@
           <a:p>
             <a:r>
               <a:rPr lang="hu-HU" baseline="0" dirty="0"/>
+              <a:t>Az egyik fő feladatom a hibajegytípusok kezelése volt</a:t>
+            </a:r>
+          </a:p>
+          <a:p>
+            <a:endParaRPr lang="hu-HU" baseline="0" dirty="0"/>
+          </a:p>
+          <a:p>
+            <a:r>
+              <a:rPr lang="hu-HU" baseline="0" dirty="0"/>
               <a:t>hibajegyek típusai határozzák meg</a:t>
             </a:r>
           </a:p>
@@ -845,6 +886,9 @@
               <a:rPr lang="hu-HU" baseline="0" dirty="0"/>
               <a:t>a különböző cégeknek különböző hibajegytípusaik vannak</a:t>
             </a:r>
+          </a:p>
+          <a:p>
+            <a:endParaRPr lang="hu-HU" baseline="0" dirty="0"/>
           </a:p>
           <a:p>
             <a:r>
@@ -939,7 +983,7 @@
           <a:p>
             <a:r>
               <a:rPr lang="hu-HU" baseline="0" dirty="0"/>
-              <a:t>szabadon kezeljük</a:t>
+              <a:t>A státuszokat nagyon szabadon kezeljük, ezért akár elég</a:t>
             </a:r>
           </a:p>
           <a:p>
@@ -1035,13 +1079,28 @@
           <a:p>
             <a:r>
               <a:rPr lang="hu-HU" baseline="0" dirty="0"/>
-              <a:t>egyértelműen meghatározható</a:t>
-            </a:r>
+              <a:t>Csupán néhány megkötésnek kell eleget tennünk, ezek pedig a következők</a:t>
+            </a:r>
+          </a:p>
+          <a:p>
+            <a:endParaRPr lang="hu-HU" baseline="0" dirty="0"/>
           </a:p>
           <a:p>
             <a:r>
               <a:rPr lang="hu-HU" baseline="0" dirty="0"/>
-              <a:t>pontosan egy állapot</a:t>
+              <a:t>típusban egy egyértelműen meghatározható</a:t>
+            </a:r>
+          </a:p>
+          <a:p>
+            <a:r>
+              <a:rPr lang="hu-HU" baseline="0" dirty="0"/>
+              <a:t>a valóságban annyit takar</a:t>
+            </a:r>
+          </a:p>
+          <a:p>
+            <a:r>
+              <a:rPr lang="hu-HU" baseline="0" dirty="0"/>
+              <a:t>legyen pontosan egy állapot</a:t>
             </a:r>
           </a:p>
           <a:p>
@@ -1049,8 +1108,15 @@
           </a:p>
           <a:p>
             <a:r>
+              <a:rPr lang="nb-NO" baseline="0" dirty="0"/>
+              <a:t>meg kell adnunk legalább egy</a:t>
+            </a:r>
+            <a:endParaRPr lang="hu-HU" baseline="0" dirty="0"/>
+          </a:p>
+          <a:p>
+            <a:r>
               <a:rPr lang="hu-HU" baseline="0" dirty="0"/>
-              <a:t>státuszoknál jeleznünk kell</a:t>
+              <a:t>státuszoknál jeleznünk kell egy jelölőnégyzet bepipálásával</a:t>
             </a:r>
           </a:p>
         </p:txBody>
@@ -1154,6 +1220,10 @@
           </a:p>
           <a:p>
             <a:r>
+              <a:rPr lang="hu-HU" baseline="0" dirty="0"/>
+              <a:t>Az </a:t>
+            </a:r>
+            <a:r>
               <a:rPr lang="hu-HU" baseline="0" dirty="0" err="1"/>
               <a:t>Issue-tracker-től</a:t>
             </a:r>
@@ -1165,13 +1235,13 @@
           <a:p>
             <a:r>
               <a:rPr lang="hu-HU" baseline="0" dirty="0"/>
-              <a:t>a felhasználók illetve a cégek hibajegyeivel kapcsolatban</a:t>
+              <a:t>elég sok statisztikai adatot kért,</a:t>
             </a:r>
           </a:p>
           <a:p>
             <a:r>
               <a:rPr lang="hu-HU" baseline="0" dirty="0"/>
-              <a:t>ezek legenerálásához sok JPQL lekérdezést kellett írnom</a:t>
+              <a:t>ezért ezek legenerálásához sok JPQL lekérdezést kellett írnom.</a:t>
             </a:r>
           </a:p>
           <a:p>
@@ -1180,7 +1250,7 @@
           <a:p>
             <a:r>
               <a:rPr lang="hu-HU" baseline="0" dirty="0"/>
-              <a:t>Az integrálódás során több probléma is merült fel a rendszerek feladatai között</a:t>
+              <a:t>Az integrálódás során több probléma is merült fel a rendszerek feladataival kapcsolatban,</a:t>
             </a:r>
           </a:p>
           <a:p>
@@ -1276,7 +1346,38 @@
           <a:p>
             <a:r>
               <a:rPr lang="hu-HU" baseline="0" dirty="0"/>
-              <a:t>felhasználók számára</a:t>
+              <a:t>A fő feladatokon kívül más egyéb feladataim is voltak, például:</a:t>
+            </a:r>
+          </a:p>
+          <a:p>
+            <a:r>
+              <a:rPr lang="en-US" baseline="0" dirty="0"/>
+              <a:t>Spring Security-t </a:t>
+            </a:r>
+            <a:r>
+              <a:rPr lang="en-US" baseline="0" dirty="0" err="1"/>
+              <a:t>konfiguráltam</a:t>
+            </a:r>
+            <a:r>
+              <a:rPr lang="en-US" baseline="0" dirty="0"/>
+              <a:t>, </a:t>
+            </a:r>
+            <a:r>
+              <a:rPr lang="en-US" baseline="0" dirty="0" err="1"/>
+              <a:t>amire</a:t>
+            </a:r>
+            <a:r>
+              <a:rPr lang="hu-HU" baseline="0" dirty="0"/>
+              <a:t>…</a:t>
+            </a:r>
+          </a:p>
+          <a:p>
+            <a:endParaRPr lang="hu-HU" baseline="0" dirty="0"/>
+          </a:p>
+          <a:p>
+            <a:r>
+              <a:rPr lang="hu-HU" baseline="0" dirty="0"/>
+              <a:t>létrehoztam egy diagramot felhasználók számára, amely</a:t>
             </a:r>
           </a:p>
           <a:p>
@@ -1291,7 +1392,29 @@
           <a:p>
             <a:r>
               <a:rPr lang="hu-HU" baseline="0" dirty="0"/>
-              <a:t>minőségi és jól tesztelt kód</a:t>
+              <a:t>valamint az én feladatom volt még a </a:t>
+            </a:r>
+            <a:r>
+              <a:rPr lang="hu-HU" baseline="0" dirty="0" err="1"/>
+              <a:t>Checkstyle</a:t>
+            </a:r>
+            <a:r>
+              <a:rPr lang="hu-HU" baseline="0" dirty="0"/>
+              <a:t> és a </a:t>
+            </a:r>
+            <a:r>
+              <a:rPr lang="hu-HU" baseline="0" dirty="0" err="1"/>
+              <a:t>Cobertura</a:t>
+            </a:r>
+            <a:r>
+              <a:rPr lang="hu-HU" baseline="0" dirty="0"/>
+              <a:t> konfigurálása és ezek karbantartása</a:t>
+            </a:r>
+          </a:p>
+          <a:p>
+            <a:r>
+              <a:rPr lang="hu-HU" baseline="0" dirty="0"/>
+              <a:t>Hogy, minőségi és jól tesztelt kód tudjunk írni</a:t>
             </a:r>
           </a:p>
           <a:p>
@@ -1406,6 +1529,38 @@
               <a:t>Kivettem a részem a csapat közös feladataiból is</a:t>
             </a:r>
           </a:p>
+          <a:p>
+            <a:endParaRPr lang="hu-HU" baseline="0" dirty="0"/>
+          </a:p>
+          <a:p>
+            <a:r>
+              <a:rPr lang="hu-HU" baseline="0" dirty="0"/>
+              <a:t>Részt vettem az adatmodell kialakításában</a:t>
+            </a:r>
+          </a:p>
+          <a:p>
+            <a:r>
+              <a:rPr lang="hu-HU" baseline="0" dirty="0"/>
+              <a:t>Service teszteket írtam</a:t>
+            </a:r>
+          </a:p>
+          <a:p>
+            <a:endParaRPr lang="hu-HU" baseline="0" dirty="0"/>
+          </a:p>
+          <a:p>
+            <a:r>
+              <a:rPr lang="hu-HU" baseline="0" dirty="0"/>
+              <a:t>segítettem a </a:t>
+            </a:r>
+            <a:r>
+              <a:rPr lang="hu-HU" baseline="0" dirty="0" err="1"/>
+              <a:t>csapattrásaimnak</a:t>
+            </a:r>
+            <a:r>
+              <a:rPr lang="hu-HU" baseline="0" dirty="0"/>
+              <a:t> a problémáik megoldásában</a:t>
+            </a:r>
+          </a:p>
         </p:txBody>
       </p:sp>
       <p:sp>
@@ -1577,7 +1732,7 @@
             <a:fld id="{C6E8B002-83F0-41C5-A7B7-2819A96BD9B2}" type="datetimeFigureOut">
               <a:rPr lang="hu-HU" smtClean="0"/>
               <a:pPr/>
-              <a:t>2017. 03. 06.</a:t>
+              <a:t>2017. 03. 07.</a:t>
             </a:fld>
             <a:endParaRPr lang="hu-HU"/>
           </a:p>
@@ -1749,7 +1904,7 @@
             <a:fld id="{C6E8B002-83F0-41C5-A7B7-2819A96BD9B2}" type="datetimeFigureOut">
               <a:rPr lang="hu-HU" smtClean="0"/>
               <a:pPr/>
-              <a:t>2017. 03. 06.</a:t>
+              <a:t>2017. 03. 07.</a:t>
             </a:fld>
             <a:endParaRPr lang="hu-HU"/>
           </a:p>
@@ -1931,7 +2086,7 @@
             <a:fld id="{C6E8B002-83F0-41C5-A7B7-2819A96BD9B2}" type="datetimeFigureOut">
               <a:rPr lang="hu-HU" smtClean="0"/>
               <a:pPr/>
-              <a:t>2017. 03. 06.</a:t>
+              <a:t>2017. 03. 07.</a:t>
             </a:fld>
             <a:endParaRPr lang="hu-HU"/>
           </a:p>
@@ -2103,7 +2258,7 @@
             <a:fld id="{C6E8B002-83F0-41C5-A7B7-2819A96BD9B2}" type="datetimeFigureOut">
               <a:rPr lang="hu-HU" smtClean="0"/>
               <a:pPr/>
-              <a:t>2017. 03. 06.</a:t>
+              <a:t>2017. 03. 07.</a:t>
             </a:fld>
             <a:endParaRPr lang="hu-HU"/>
           </a:p>
@@ -2349,7 +2504,7 @@
             <a:fld id="{C6E8B002-83F0-41C5-A7B7-2819A96BD9B2}" type="datetimeFigureOut">
               <a:rPr lang="hu-HU" smtClean="0"/>
               <a:pPr/>
-              <a:t>2017. 03. 06.</a:t>
+              <a:t>2017. 03. 07.</a:t>
             </a:fld>
             <a:endParaRPr lang="hu-HU"/>
           </a:p>
@@ -2583,7 +2738,7 @@
             <a:fld id="{C6E8B002-83F0-41C5-A7B7-2819A96BD9B2}" type="datetimeFigureOut">
               <a:rPr lang="hu-HU" smtClean="0"/>
               <a:pPr/>
-              <a:t>2017. 03. 06.</a:t>
+              <a:t>2017. 03. 07.</a:t>
             </a:fld>
             <a:endParaRPr lang="hu-HU"/>
           </a:p>
@@ -2952,7 +3107,7 @@
             <a:fld id="{C6E8B002-83F0-41C5-A7B7-2819A96BD9B2}" type="datetimeFigureOut">
               <a:rPr lang="hu-HU" smtClean="0"/>
               <a:pPr/>
-              <a:t>2017. 03. 06.</a:t>
+              <a:t>2017. 03. 07.</a:t>
             </a:fld>
             <a:endParaRPr lang="hu-HU"/>
           </a:p>
@@ -3072,7 +3227,7 @@
             <a:fld id="{C6E8B002-83F0-41C5-A7B7-2819A96BD9B2}" type="datetimeFigureOut">
               <a:rPr lang="hu-HU" smtClean="0"/>
               <a:pPr/>
-              <a:t>2017. 03. 06.</a:t>
+              <a:t>2017. 03. 07.</a:t>
             </a:fld>
             <a:endParaRPr lang="hu-HU"/>
           </a:p>
@@ -3169,7 +3324,7 @@
             <a:fld id="{C6E8B002-83F0-41C5-A7B7-2819A96BD9B2}" type="datetimeFigureOut">
               <a:rPr lang="hu-HU" smtClean="0"/>
               <a:pPr/>
-              <a:t>2017. 03. 06.</a:t>
+              <a:t>2017. 03. 07.</a:t>
             </a:fld>
             <a:endParaRPr lang="hu-HU"/>
           </a:p>
@@ -3448,7 +3603,7 @@
             <a:fld id="{C6E8B002-83F0-41C5-A7B7-2819A96BD9B2}" type="datetimeFigureOut">
               <a:rPr lang="hu-HU" smtClean="0"/>
               <a:pPr/>
-              <a:t>2017. 03. 06.</a:t>
+              <a:t>2017. 03. 07.</a:t>
             </a:fld>
             <a:endParaRPr lang="hu-HU"/>
           </a:p>
@@ -3707,7 +3862,7 @@
             <a:fld id="{C6E8B002-83F0-41C5-A7B7-2819A96BD9B2}" type="datetimeFigureOut">
               <a:rPr lang="hu-HU" smtClean="0"/>
               <a:pPr/>
-              <a:t>2017. 03. 06.</a:t>
+              <a:t>2017. 03. 07.</a:t>
             </a:fld>
             <a:endParaRPr lang="hu-HU"/>
           </a:p>
@@ -3929,7 +4084,7 @@
             <a:fld id="{C6E8B002-83F0-41C5-A7B7-2819A96BD9B2}" type="datetimeFigureOut">
               <a:rPr lang="hu-HU" smtClean="0"/>
               <a:pPr/>
-              <a:t>2017. 03. 06.</a:t>
+              <a:t>2017. 03. 07.</a:t>
             </a:fld>
             <a:endParaRPr lang="hu-HU"/>
           </a:p>
@@ -6849,12 +7004,6 @@
 </file>
 
 <file path=customXml/item2.xml><?xml version="1.0" encoding="utf-8"?>
-<p:properties xmlns:p="http://schemas.microsoft.com/office/2006/metadata/properties" xmlns:xsi="http://www.w3.org/2001/XMLSchema-instance" xmlns:pc="http://schemas.microsoft.com/office/infopath/2007/PartnerControls">
-  <documentManagement/>
-</p:properties>
-</file>
-
-<file path=customXml/item3.xml><?xml version="1.0" encoding="utf-8"?>
 <ct:contentTypeSchema xmlns:ct="http://schemas.microsoft.com/office/2006/metadata/contentType" xmlns:ma="http://schemas.microsoft.com/office/2006/metadata/properties/metaAttributes" ct:_="" ma:_="" ma:contentTypeName="Dokumentum" ma:contentTypeID="0x010100AC862C676857C24E8FC2D32B30708833" ma:contentTypeVersion="2" ma:contentTypeDescription="Új dokumentum létrehozása." ma:contentTypeScope="" ma:versionID="56d51952ebb676fe3cf20c5597969f31">
   <xsd:schema xmlns:xsd="http://www.w3.org/2001/XMLSchema" xmlns:xs="http://www.w3.org/2001/XMLSchema" xmlns:p="http://schemas.microsoft.com/office/2006/metadata/properties" xmlns:ns2="9a324a02-be43-499b-8089-7896e70993e7" targetNamespace="http://schemas.microsoft.com/office/2006/metadata/properties" ma:root="true" ma:fieldsID="4fefbcd2855290300f96a0ef710b0fa0" ns2:_="">
     <xsd:import namespace="9a324a02-be43-499b-8089-7896e70993e7"/>
@@ -7002,6 +7151,12 @@
 </ct:contentTypeSchema>
 </file>
 
+<file path=customXml/item3.xml><?xml version="1.0" encoding="utf-8"?>
+<p:properties xmlns:p="http://schemas.microsoft.com/office/2006/metadata/properties" xmlns:xsi="http://www.w3.org/2001/XMLSchema-instance" xmlns:pc="http://schemas.microsoft.com/office/infopath/2007/PartnerControls">
+  <documentManagement/>
+</p:properties>
+</file>
+
 <file path=customXml/itemProps1.xml><?xml version="1.0" encoding="utf-8"?>
 <ds:datastoreItem xmlns:ds="http://schemas.openxmlformats.org/officeDocument/2006/customXml" ds:itemID="{166AD069-051C-46FD-A0CD-BDE143FEA57D}">
   <ds:schemaRefs>
@@ -7011,15 +7166,6 @@
 </file>
 
 <file path=customXml/itemProps2.xml><?xml version="1.0" encoding="utf-8"?>
-<ds:datastoreItem xmlns:ds="http://schemas.openxmlformats.org/officeDocument/2006/customXml" ds:itemID="{8E1455B4-EFFE-4AEE-ADC2-FE51D16F6234}">
-  <ds:schemaRefs>
-    <ds:schemaRef ds:uri="http://schemas.microsoft.com/office/2006/metadata/properties"/>
-    <ds:schemaRef ds:uri="http://schemas.microsoft.com/office/infopath/2007/PartnerControls"/>
-  </ds:schemaRefs>
-</ds:datastoreItem>
-</file>
-
-<file path=customXml/itemProps3.xml><?xml version="1.0" encoding="utf-8"?>
 <ds:datastoreItem xmlns:ds="http://schemas.openxmlformats.org/officeDocument/2006/customXml" ds:itemID="{C5A1A0B1-1575-4000-BA64-916766809361}">
   <ds:schemaRefs>
     <ds:schemaRef ds:uri="http://schemas.microsoft.com/office/2006/metadata/contentType"/>
@@ -7035,4 +7181,13 @@
     <ds:schemaRef ds:uri="http://schemas.microsoft.com/internal/obd"/>
   </ds:schemaRefs>
 </ds:datastoreItem>
+</file>
+
+<file path=customXml/itemProps3.xml><?xml version="1.0" encoding="utf-8"?>
+<ds:datastoreItem xmlns:ds="http://schemas.openxmlformats.org/officeDocument/2006/customXml" ds:itemID="{8E1455B4-EFFE-4AEE-ADC2-FE51D16F6234}">
+  <ds:schemaRefs>
+    <ds:schemaRef ds:uri="http://schemas.microsoft.com/office/2006/metadata/properties"/>
+    <ds:schemaRef ds:uri="http://schemas.microsoft.com/office/infopath/2007/PartnerControls"/>
+  </ds:schemaRefs>
+</ds:datastoreItem>
 </file>
--- a/SzaboAttila/Szabó Attila - prezi.pptx
+++ b/SzaboAttila/Szabó Attila - prezi.pptx
@@ -238,7 +238,7 @@
             <a:fld id="{108E5D05-7368-4B91-AD81-999E65E8BFFE}" type="datetimeFigureOut">
               <a:rPr lang="hu-HU" smtClean="0"/>
               <a:pPr/>
-              <a:t>2017. 03. 07.</a:t>
+              <a:t>2017. 03. 08.</a:t>
             </a:fld>
             <a:endParaRPr lang="hu-HU"/>
           </a:p>
@@ -893,7 +893,30 @@
           <a:p>
             <a:r>
               <a:rPr lang="hu-HU" baseline="0" dirty="0"/>
-              <a:t>a hibajegytípusokat lehet szerkeszteni</a:t>
+              <a:t>Létrehoztam egy oldalt, ahol a hibajegytípusokat lehet szerkeszteni</a:t>
+            </a:r>
+          </a:p>
+          <a:p>
+            <a:r>
+              <a:rPr lang="hu-HU" baseline="0" dirty="0"/>
+              <a:t>Módosítani tudjuk a típus nevét…</a:t>
+            </a:r>
+          </a:p>
+          <a:p>
+            <a:endParaRPr lang="hu-HU" baseline="0" dirty="0"/>
+          </a:p>
+          <a:p>
+            <a:r>
+              <a:rPr lang="hu-HU" baseline="0" dirty="0"/>
+              <a:t>Illetve ugyan itt lehetőség van a státuszok </a:t>
+            </a:r>
+            <a:r>
+              <a:rPr lang="hu-HU" baseline="0" dirty="0" err="1"/>
+              <a:t>sorr</a:t>
+            </a:r>
+            <a:r>
+              <a:rPr lang="hu-HU" baseline="0" dirty="0"/>
+              <a:t>.</a:t>
             </a:r>
           </a:p>
         </p:txBody>
@@ -992,6 +1015,66 @@
               <a:t>bonyolult szerkezeteket is implementálni tudunk velük</a:t>
             </a:r>
           </a:p>
+          <a:p>
+            <a:r>
+              <a:rPr lang="hu-HU" baseline="0" dirty="0"/>
+              <a:t>Példán hibajegytípus, 4 állapot</a:t>
+            </a:r>
+          </a:p>
+          <a:p>
+            <a:r>
+              <a:rPr lang="hu-HU" baseline="0" dirty="0"/>
+              <a:t>Létrehozva: kezdőáll, hibajegy alapból ez lesz</a:t>
+            </a:r>
+          </a:p>
+          <a:p>
+            <a:r>
+              <a:rPr lang="hu-HU" baseline="0" dirty="0"/>
+              <a:t>Megoldva és Nem volt : végállapotok</a:t>
+            </a:r>
+          </a:p>
+          <a:p>
+            <a:r>
+              <a:rPr lang="hu-HU" baseline="0" dirty="0"/>
+              <a:t>Amikor a hibajegyet a következő státuszba akarjuk léptetni,</a:t>
+            </a:r>
+          </a:p>
+          <a:p>
+            <a:r>
+              <a:rPr lang="hu-HU" baseline="0" dirty="0"/>
+              <a:t>akkor mindig csak a közvetlen rákövetkezőkre tudunk lépni pl.</a:t>
+            </a:r>
+          </a:p>
+          <a:p>
+            <a:r>
+              <a:rPr lang="hu-HU" baseline="0" dirty="0"/>
+              <a:t> </a:t>
+            </a:r>
+          </a:p>
+          <a:p>
+            <a:r>
+              <a:rPr lang="hu-HU" baseline="0" dirty="0"/>
+              <a:t>A hibajegy státuszok és a státuszok sorrendje egy nagyon összetett probléma kör,</a:t>
+            </a:r>
+          </a:p>
+          <a:p>
+            <a:r>
+              <a:rPr lang="hu-HU" baseline="0" dirty="0"/>
+              <a:t>amiről lazán tudnék akár 15-20 percet is beszélni,</a:t>
+            </a:r>
+          </a:p>
+          <a:p>
+            <a:r>
+              <a:rPr lang="hu-HU" baseline="0" dirty="0"/>
+              <a:t>de most idő hiányában megkímélnék mindenkit a nyers részletektől</a:t>
+            </a:r>
+          </a:p>
+          <a:p>
+            <a:r>
+              <a:rPr lang="hu-HU" baseline="0" dirty="0"/>
+              <a:t>és inkább folytassuk a státuszok sorrendjének megkötéseivel.</a:t>
+            </a:r>
+          </a:p>
         </p:txBody>
       </p:sp>
       <p:sp>
@@ -1079,6 +1162,12 @@
           <a:p>
             <a:r>
               <a:rPr lang="hu-HU" baseline="0" dirty="0"/>
+              <a:t>Ahhoz, hogy egy ilyen státusz sorrendet tudjunk felépíteni</a:t>
+            </a:r>
+          </a:p>
+          <a:p>
+            <a:r>
+              <a:rPr lang="hu-HU" baseline="0" dirty="0"/>
               <a:t>Csupán néhány megkötésnek kell eleget tennünk, ezek pedig a következők</a:t>
             </a:r>
           </a:p>
@@ -1376,8 +1465,12 @@
           </a:p>
           <a:p>
             <a:r>
+              <a:rPr lang="hu-HU" baseline="0"/>
+              <a:t>továbbá </a:t>
+            </a:r>
+            <a:r>
               <a:rPr lang="hu-HU" baseline="0" dirty="0"/>
-              <a:t>létrehoztam egy diagramot felhasználók számára, amely</a:t>
+              <a:t>létrehoztam egy kördiagramot felhasználók számára, amely</a:t>
             </a:r>
           </a:p>
           <a:p>
@@ -1550,15 +1643,7 @@
           <a:p>
             <a:r>
               <a:rPr lang="hu-HU" baseline="0" dirty="0"/>
-              <a:t>segítettem a </a:t>
-            </a:r>
-            <a:r>
-              <a:rPr lang="hu-HU" baseline="0" dirty="0" err="1"/>
-              <a:t>csapattrásaimnak</a:t>
-            </a:r>
-            <a:r>
-              <a:rPr lang="hu-HU" baseline="0" dirty="0"/>
-              <a:t> a problémáik megoldásában</a:t>
+              <a:t>segítettem a csapattársaimnak a problémáik megoldásában</a:t>
             </a:r>
           </a:p>
         </p:txBody>
@@ -1732,7 +1817,7 @@
             <a:fld id="{C6E8B002-83F0-41C5-A7B7-2819A96BD9B2}" type="datetimeFigureOut">
               <a:rPr lang="hu-HU" smtClean="0"/>
               <a:pPr/>
-              <a:t>2017. 03. 07.</a:t>
+              <a:t>2017. 03. 08.</a:t>
             </a:fld>
             <a:endParaRPr lang="hu-HU"/>
           </a:p>
@@ -1904,7 +1989,7 @@
             <a:fld id="{C6E8B002-83F0-41C5-A7B7-2819A96BD9B2}" type="datetimeFigureOut">
               <a:rPr lang="hu-HU" smtClean="0"/>
               <a:pPr/>
-              <a:t>2017. 03. 07.</a:t>
+              <a:t>2017. 03. 08.</a:t>
             </a:fld>
             <a:endParaRPr lang="hu-HU"/>
           </a:p>
@@ -2086,7 +2171,7 @@
             <a:fld id="{C6E8B002-83F0-41C5-A7B7-2819A96BD9B2}" type="datetimeFigureOut">
               <a:rPr lang="hu-HU" smtClean="0"/>
               <a:pPr/>
-              <a:t>2017. 03. 07.</a:t>
+              <a:t>2017. 03. 08.</a:t>
             </a:fld>
             <a:endParaRPr lang="hu-HU"/>
           </a:p>
@@ -2258,7 +2343,7 @@
             <a:fld id="{C6E8B002-83F0-41C5-A7B7-2819A96BD9B2}" type="datetimeFigureOut">
               <a:rPr lang="hu-HU" smtClean="0"/>
               <a:pPr/>
-              <a:t>2017. 03. 07.</a:t>
+              <a:t>2017. 03. 08.</a:t>
             </a:fld>
             <a:endParaRPr lang="hu-HU"/>
           </a:p>
@@ -2504,7 +2589,7 @@
             <a:fld id="{C6E8B002-83F0-41C5-A7B7-2819A96BD9B2}" type="datetimeFigureOut">
               <a:rPr lang="hu-HU" smtClean="0"/>
               <a:pPr/>
-              <a:t>2017. 03. 07.</a:t>
+              <a:t>2017. 03. 08.</a:t>
             </a:fld>
             <a:endParaRPr lang="hu-HU"/>
           </a:p>
@@ -2738,7 +2823,7 @@
             <a:fld id="{C6E8B002-83F0-41C5-A7B7-2819A96BD9B2}" type="datetimeFigureOut">
               <a:rPr lang="hu-HU" smtClean="0"/>
               <a:pPr/>
-              <a:t>2017. 03. 07.</a:t>
+              <a:t>2017. 03. 08.</a:t>
             </a:fld>
             <a:endParaRPr lang="hu-HU"/>
           </a:p>
@@ -3107,7 +3192,7 @@
             <a:fld id="{C6E8B002-83F0-41C5-A7B7-2819A96BD9B2}" type="datetimeFigureOut">
               <a:rPr lang="hu-HU" smtClean="0"/>
               <a:pPr/>
-              <a:t>2017. 03. 07.</a:t>
+              <a:t>2017. 03. 08.</a:t>
             </a:fld>
             <a:endParaRPr lang="hu-HU"/>
           </a:p>
@@ -3227,7 +3312,7 @@
             <a:fld id="{C6E8B002-83F0-41C5-A7B7-2819A96BD9B2}" type="datetimeFigureOut">
               <a:rPr lang="hu-HU" smtClean="0"/>
               <a:pPr/>
-              <a:t>2017. 03. 07.</a:t>
+              <a:t>2017. 03. 08.</a:t>
             </a:fld>
             <a:endParaRPr lang="hu-HU"/>
           </a:p>
@@ -3324,7 +3409,7 @@
             <a:fld id="{C6E8B002-83F0-41C5-A7B7-2819A96BD9B2}" type="datetimeFigureOut">
               <a:rPr lang="hu-HU" smtClean="0"/>
               <a:pPr/>
-              <a:t>2017. 03. 07.</a:t>
+              <a:t>2017. 03. 08.</a:t>
             </a:fld>
             <a:endParaRPr lang="hu-HU"/>
           </a:p>
@@ -3603,7 +3688,7 @@
             <a:fld id="{C6E8B002-83F0-41C5-A7B7-2819A96BD9B2}" type="datetimeFigureOut">
               <a:rPr lang="hu-HU" smtClean="0"/>
               <a:pPr/>
-              <a:t>2017. 03. 07.</a:t>
+              <a:t>2017. 03. 08.</a:t>
             </a:fld>
             <a:endParaRPr lang="hu-HU"/>
           </a:p>
@@ -3862,7 +3947,7 @@
             <a:fld id="{C6E8B002-83F0-41C5-A7B7-2819A96BD9B2}" type="datetimeFigureOut">
               <a:rPr lang="hu-HU" smtClean="0"/>
               <a:pPr/>
-              <a:t>2017. 03. 07.</a:t>
+              <a:t>2017. 03. 08.</a:t>
             </a:fld>
             <a:endParaRPr lang="hu-HU"/>
           </a:p>
@@ -4084,7 +4169,7 @@
             <a:fld id="{C6E8B002-83F0-41C5-A7B7-2819A96BD9B2}" type="datetimeFigureOut">
               <a:rPr lang="hu-HU" smtClean="0"/>
               <a:pPr/>
-              <a:t>2017. 03. 07.</a:t>
+              <a:t>2017. 03. 08.</a:t>
             </a:fld>
             <a:endParaRPr lang="hu-HU"/>
           </a:p>
@@ -5025,8 +5110,8 @@
         </p:blipFill>
         <p:spPr>
           <a:xfrm>
-            <a:off x="5994213" y="1570260"/>
-            <a:ext cx="2079740" cy="2774373"/>
+            <a:off x="5994213" y="1450459"/>
+            <a:ext cx="2252479" cy="3004808"/>
           </a:xfrm>
           <a:prstGeom prst="rect">
             <a:avLst/>
@@ -5646,9 +5731,66 @@
           <a:chExt cx="0" cy="0"/>
         </a:xfrm>
       </p:grpSpPr>
+      <p:sp>
+        <p:nvSpPr>
+          <p:cNvPr id="6" name="Cím 1"/>
+          <p:cNvSpPr txBox="1">
+            <a:spLocks/>
+          </p:cNvSpPr>
+          <p:nvPr/>
+        </p:nvSpPr>
+        <p:spPr>
+          <a:xfrm rot="20305361">
+            <a:off x="7446477" y="153351"/>
+            <a:ext cx="1548465" cy="417968"/>
+          </a:xfrm>
+          <a:prstGeom prst="rect">
+            <a:avLst/>
+          </a:prstGeom>
+        </p:spPr>
+        <p:txBody>
+          <a:bodyPr vert="horz" lIns="91440" tIns="45720" rIns="91440" bIns="45720" rtlCol="0" anchor="b">
+            <a:normAutofit/>
+          </a:bodyPr>
+          <a:lstStyle>
+            <a:lvl1pPr algn="ctr" defTabSz="914400" rtl="0" eaLnBrk="1" latinLnBrk="0" hangingPunct="1">
+              <a:lnSpc>
+                <a:spcPct val="90000"/>
+              </a:lnSpc>
+              <a:spcBef>
+                <a:spcPct val="0"/>
+              </a:spcBef>
+              <a:buNone/>
+              <a:defRPr sz="6000" kern="1200">
+                <a:solidFill>
+                  <a:schemeClr val="tx1"/>
+                </a:solidFill>
+                <a:latin typeface="+mj-lt"/>
+                <a:ea typeface="+mj-ea"/>
+                <a:cs typeface="+mj-cs"/>
+              </a:defRPr>
+            </a:lvl1pPr>
+          </a:lstStyle>
+          <a:p>
+            <a:r>
+              <a:rPr lang="hu-HU" sz="1800" dirty="0" err="1"/>
+              <a:t>Issue</a:t>
+            </a:r>
+            <a:r>
+              <a:rPr lang="hu-HU" sz="1800" dirty="0"/>
+              <a:t> </a:t>
+            </a:r>
+            <a:r>
+              <a:rPr lang="hu-HU" sz="1800" dirty="0" err="1"/>
+              <a:t>Tracker</a:t>
+            </a:r>
+            <a:endParaRPr lang="hu-HU" sz="1800" dirty="0"/>
+          </a:p>
+        </p:txBody>
+      </p:sp>
       <p:pic>
         <p:nvPicPr>
-          <p:cNvPr id="10" name="Tartalom helye 9"/>
+          <p:cNvPr id="14" name="Tartalom helye 13"/>
           <p:cNvPicPr>
             <a:picLocks noGrp="1" noChangeAspect="1"/>
           </p:cNvPicPr>
@@ -5670,97 +5812,11 @@
         </p:blipFill>
         <p:spPr>
           <a:xfrm>
-            <a:off x="1541344" y="1253842"/>
-            <a:ext cx="6061312" cy="3641725"/>
+            <a:off x="1440000" y="841403"/>
+            <a:ext cx="6390262" cy="4035353"/>
           </a:xfrm>
         </p:spPr>
       </p:pic>
-      <p:sp>
-        <p:nvSpPr>
-          <p:cNvPr id="11" name="Cím 1"/>
-          <p:cNvSpPr>
-            <a:spLocks noGrp="1"/>
-          </p:cNvSpPr>
-          <p:nvPr>
-            <p:ph type="title"/>
-          </p:nvPr>
-        </p:nvSpPr>
-        <p:spPr>
-          <a:xfrm>
-            <a:off x="628650" y="817417"/>
-            <a:ext cx="7886700" cy="450599"/>
-          </a:xfrm>
-        </p:spPr>
-        <p:txBody>
-          <a:bodyPr>
-            <a:noAutofit/>
-          </a:bodyPr>
-          <a:lstStyle/>
-          <a:p>
-            <a:r>
-              <a:rPr lang="hu-HU" sz="3200" dirty="0"/>
-              <a:t>Státuszok sorrendje - példa</a:t>
-            </a:r>
-          </a:p>
-        </p:txBody>
-      </p:sp>
-      <p:sp>
-        <p:nvSpPr>
-          <p:cNvPr id="6" name="Cím 1"/>
-          <p:cNvSpPr txBox="1">
-            <a:spLocks/>
-          </p:cNvSpPr>
-          <p:nvPr/>
-        </p:nvSpPr>
-        <p:spPr>
-          <a:xfrm rot="20305361">
-            <a:off x="7446477" y="153351"/>
-            <a:ext cx="1548465" cy="417968"/>
-          </a:xfrm>
-          <a:prstGeom prst="rect">
-            <a:avLst/>
-          </a:prstGeom>
-        </p:spPr>
-        <p:txBody>
-          <a:bodyPr vert="horz" lIns="91440" tIns="45720" rIns="91440" bIns="45720" rtlCol="0" anchor="b">
-            <a:normAutofit/>
-          </a:bodyPr>
-          <a:lstStyle>
-            <a:lvl1pPr algn="ctr" defTabSz="914400" rtl="0" eaLnBrk="1" latinLnBrk="0" hangingPunct="1">
-              <a:lnSpc>
-                <a:spcPct val="90000"/>
-              </a:lnSpc>
-              <a:spcBef>
-                <a:spcPct val="0"/>
-              </a:spcBef>
-              <a:buNone/>
-              <a:defRPr sz="6000" kern="1200">
-                <a:solidFill>
-                  <a:schemeClr val="tx1"/>
-                </a:solidFill>
-                <a:latin typeface="+mj-lt"/>
-                <a:ea typeface="+mj-ea"/>
-                <a:cs typeface="+mj-cs"/>
-              </a:defRPr>
-            </a:lvl1pPr>
-          </a:lstStyle>
-          <a:p>
-            <a:r>
-              <a:rPr lang="hu-HU" sz="1800" dirty="0" err="1"/>
-              <a:t>Issue</a:t>
-            </a:r>
-            <a:r>
-              <a:rPr lang="hu-HU" sz="1800" dirty="0"/>
-              <a:t> </a:t>
-            </a:r>
-            <a:r>
-              <a:rPr lang="hu-HU" sz="1800" dirty="0" err="1"/>
-              <a:t>Tracker</a:t>
-            </a:r>
-            <a:endParaRPr lang="hu-HU" sz="1800" dirty="0"/>
-          </a:p>
-        </p:txBody>
-      </p:sp>
     </p:spTree>
     <p:extLst>
       <p:ext uri="{BB962C8B-B14F-4D97-AF65-F5344CB8AC3E}">
@@ -6191,7 +6247,7 @@
           <a:p>
             <a:r>
               <a:rPr lang="hu-HU" sz="2400" dirty="0"/>
-              <a:t>Diagram</a:t>
+              <a:t>Kördiagram</a:t>
             </a:r>
           </a:p>
           <a:p>
@@ -6268,6 +6324,36 @@
           </a:p>
         </p:txBody>
       </p:sp>
+      <p:pic>
+        <p:nvPicPr>
+          <p:cNvPr id="4" name="Kép 3"/>
+          <p:cNvPicPr>
+            <a:picLocks noChangeAspect="1"/>
+          </p:cNvPicPr>
+          <p:nvPr/>
+        </p:nvPicPr>
+        <p:blipFill>
+          <a:blip r:embed="rId3">
+            <a:extLst>
+              <a:ext uri="{28A0092B-C50C-407E-A947-70E740481C1C}">
+                <a14:useLocalDpi xmlns:a14="http://schemas.microsoft.com/office/drawing/2010/main" val="0"/>
+              </a:ext>
+            </a:extLst>
+          </a:blip>
+          <a:stretch>
+            <a:fillRect/>
+          </a:stretch>
+        </p:blipFill>
+        <p:spPr>
+          <a:xfrm>
+            <a:off x="5070764" y="2007089"/>
+            <a:ext cx="3870983" cy="2801250"/>
+          </a:xfrm>
+          <a:prstGeom prst="rect">
+            <a:avLst/>
+          </a:prstGeom>
+        </p:spPr>
+      </p:pic>
     </p:spTree>
     <p:extLst>
       <p:ext uri="{BB962C8B-B14F-4D97-AF65-F5344CB8AC3E}">
